--- a/docs/manuscripts/euc manuscript/figs/euc_MS_figure_panels_JL_26-06-17.pptx
+++ b/docs/manuscripts/euc manuscript/figs/euc_MS_figure_panels_JL_26-06-17.pptx
@@ -5,12 +5,13 @@
     <p:sldMasterId id="2147483696" r:id="rId1"/>
   </p:sldMasterIdLst>
   <p:notesMasterIdLst>
-    <p:notesMasterId r:id="rId5"/>
+    <p:notesMasterId r:id="rId6"/>
   </p:notesMasterIdLst>
   <p:sldIdLst>
     <p:sldId id="275" r:id="rId2"/>
-    <p:sldId id="276" r:id="rId3"/>
-    <p:sldId id="280" r:id="rId4"/>
+    <p:sldId id="281" r:id="rId3"/>
+    <p:sldId id="276" r:id="rId4"/>
+    <p:sldId id="280" r:id="rId5"/>
   </p:sldIdLst>
   <p:sldSz cx="9601200" cy="12801600" type="A3"/>
   <p:notesSz cx="6858000" cy="9144000"/>
@@ -203,7 +204,7 @@
           <a:p>
             <a:fld id="{36C24D47-6580-4785-9462-CADD8599AFB8}" type="datetimeFigureOut">
               <a:rPr lang="en-AU" smtClean="0"/>
-              <a:t>22/06/2017</a:t>
+              <a:t>27/06/2017</a:t>
             </a:fld>
             <a:endParaRPr lang="en-AU"/>
           </a:p>
@@ -660,21 +661,6 @@
           <a:bodyPr/>
           <a:lstStyle/>
           <a:p>
-            <a:r>
-              <a:rPr lang="en-AU" b="1" dirty="0" smtClean="0"/>
-              <a:t>2.) Protein composition</a:t>
-            </a:r>
-            <a:r>
-              <a:rPr lang="en-AU" b="1" baseline="0" dirty="0" smtClean="0"/>
-              <a:t> of the average eucalypt leaf.</a:t>
-            </a:r>
-            <a:r>
-              <a:rPr lang="en-AU" b="1" dirty="0" smtClean="0"/>
-              <a:t> </a:t>
-            </a:r>
-            <a:endParaRPr lang="en-AU" dirty="0" smtClean="0"/>
-          </a:p>
-          <a:p>
             <a:pPr marL="0" marR="0" lvl="0" indent="0" algn="l" defTabSz="1280160" rtl="0" eaLnBrk="1" fontAlgn="auto" latinLnBrk="0" hangingPunct="1">
               <a:lnSpc>
                 <a:spcPct val="100000"/>
@@ -692,125 +678,41 @@
               <a:tabLst/>
               <a:defRPr/>
             </a:pPr>
+            <a:r>
+              <a:rPr lang="en-AU" b="1" dirty="0" smtClean="0"/>
+              <a:t>1.) Quantifying leaf proteins at the continental scale. </a:t>
+            </a:r>
+            <a:r>
+              <a:rPr lang="en-AU" dirty="0" smtClean="0"/>
+              <a:t>A total of 324 photosynthetically active Eucalypt leaf samples were collected from 32 species; four species were recorded at multiple location. For each species-location combination, three canopy leaves were collected from each of three individuals to make a total of nine samples. </a:t>
+            </a:r>
+          </a:p>
+          <a:p>
             <a:endParaRPr lang="en-AU" dirty="0" smtClean="0"/>
           </a:p>
           <a:p>
-            <a:pPr marL="0" marR="0" lvl="0" indent="0" algn="l" defTabSz="1280160" rtl="0" eaLnBrk="1" fontAlgn="auto" latinLnBrk="0" hangingPunct="1">
-              <a:lnSpc>
-                <a:spcPct val="100000"/>
-              </a:lnSpc>
-              <a:spcBef>
-                <a:spcPts val="0"/>
-              </a:spcBef>
-              <a:spcAft>
-                <a:spcPts val="0"/>
-              </a:spcAft>
-              <a:buClrTx/>
-              <a:buSzTx/>
-              <a:buFontTx/>
-              <a:buNone/>
-              <a:tabLst/>
-              <a:defRPr/>
-            </a:pPr>
             <a:r>
               <a:rPr lang="en-AU" dirty="0" smtClean="0"/>
-              <a:t>a.) We </a:t>
-            </a:r>
-            <a:r>
-              <a:rPr lang="en-AU" dirty="0"/>
-              <a:t>used a hierarchical protein functional annotation system (MAPMAN/Mercator, ref) to assign proteins to functional groupings. Here we show the average abundances of proteins associated with </a:t>
-            </a:r>
+              <a:t>a.) Sampling locations (triangles) were located along three latitudinal bands, spanning broad gradients of rainfall and temperature. The resulting coverage of climate space represents of much of the vegetated area of the Australian continent;</a:t>
+            </a:r>
+          </a:p>
+          <a:p>
+            <a:endParaRPr lang="en-AU" dirty="0" smtClean="0"/>
+          </a:p>
+          <a:p>
             <a:r>
               <a:rPr lang="en-AU" dirty="0" smtClean="0"/>
-              <a:t>all major </a:t>
-            </a:r>
-            <a:r>
-              <a:rPr lang="en-AU" dirty="0"/>
-              <a:t>functional groupings in eucalypt </a:t>
+              <a:t>b.) Mean annual temperature (</a:t>
+            </a:r>
+            <a:r>
+              <a:rPr lang="en-AU" dirty="0" err="1" smtClean="0"/>
+              <a:t>oC</a:t>
             </a:r>
             <a:r>
               <a:rPr lang="en-AU" dirty="0" smtClean="0"/>
-              <a:t>leaves (left) and within photosynthesis (right); </a:t>
-            </a:r>
-            <a:r>
-              <a:rPr lang="en-AU" dirty="0"/>
-              <a:t>angular fraction indicates the proportion of protein associated with a named functional category. </a:t>
-            </a:r>
-            <a:r>
-              <a:rPr lang="en-AU" dirty="0" smtClean="0"/>
-              <a:t>% values represent</a:t>
-            </a:r>
-            <a:r>
-              <a:rPr lang="en-AU" baseline="0" dirty="0" smtClean="0"/>
-              <a:t> averages of leaf 324 samples across 32 eucalypt species. </a:t>
-            </a:r>
-            <a:r>
-              <a:rPr lang="en-AU" dirty="0" smtClean="0"/>
-              <a:t>The </a:t>
-            </a:r>
-            <a:r>
-              <a:rPr lang="en-AU" dirty="0"/>
-              <a:t>hierarchical annotation scheme is represented by the layers of the plot: the innermost layer corresponds to the broadest categories in the scheme, e.g. ‘photosynthesis’. Moving outwards, protein amounts are annotated to progressively more specific functions, e.g. ‘light harvesting complex II’. The majority of protein in leaves is associated with </a:t>
-            </a:r>
-            <a:r>
-              <a:rPr lang="en-AU" dirty="0" smtClean="0"/>
-              <a:t>photosynthesis, of</a:t>
-            </a:r>
-            <a:r>
-              <a:rPr lang="en-AU" baseline="0" dirty="0" smtClean="0"/>
-              <a:t> which the Rubisco large and small subunits comprise on average 30 % and photosystem II, 18 % on average.</a:t>
-            </a:r>
-            <a:r>
-              <a:rPr lang="en-AU" dirty="0" smtClean="0"/>
-              <a:t> Protein </a:t>
-            </a:r>
-            <a:r>
-              <a:rPr lang="en-AU" dirty="0"/>
-              <a:t>synthesis, folding and degradation is the second largest top-level </a:t>
-            </a:r>
-            <a:r>
-              <a:rPr lang="en-AU" dirty="0" smtClean="0"/>
-              <a:t>category at X % on average. </a:t>
+              <a:t>) and mean annual precipitation (mm, log scaled) of sampling sites (triangles) were distributed orthogonally with respect to one another (r = ); </a:t>
             </a:r>
             <a:endParaRPr lang="en-AU" dirty="0"/>
-          </a:p>
-          <a:p>
-            <a:endParaRPr lang="en-AU" dirty="0" smtClean="0"/>
-          </a:p>
-          <a:p>
-            <a:r>
-              <a:rPr lang="en-AU" dirty="0" smtClean="0"/>
-              <a:t>b.) </a:t>
-            </a:r>
-            <a:r>
-              <a:rPr lang="en-AU" dirty="0"/>
-              <a:t>The 500 most abundant proteins account for 90 % of the protein in leaves (500</a:t>
-            </a:r>
-            <a:r>
-              <a:rPr lang="en-AU" baseline="30000" dirty="0"/>
-              <a:t>th</a:t>
-            </a:r>
-            <a:r>
-              <a:rPr lang="en-AU" dirty="0"/>
-              <a:t> protein shown by grey crosshairs). </a:t>
-            </a:r>
-            <a:r>
-              <a:rPr lang="en-AU" u="none" strike="noStrike" dirty="0"/>
-              <a:t>The </a:t>
-            </a:r>
-            <a:r>
-              <a:rPr lang="en-AU" u="none" strike="noStrike" dirty="0" smtClean="0"/>
-              <a:t>steep initial </a:t>
-            </a:r>
-            <a:r>
-              <a:rPr lang="en-AU" u="none" strike="noStrike" dirty="0"/>
-              <a:t>slope of this curve contrasts with those associated with less specialised cells (e.g. mammalian cell, yeast</a:t>
-            </a:r>
-            <a:r>
-              <a:rPr lang="en-AU" u="none" strike="noStrike" dirty="0" smtClean="0"/>
-              <a:t>).</a:t>
-            </a:r>
-            <a:endParaRPr lang="en-AU" u="none" strike="noStrike" dirty="0"/>
           </a:p>
         </p:txBody>
       </p:sp>
@@ -840,7 +742,7 @@
     </p:spTree>
     <p:extLst>
       <p:ext uri="{BB962C8B-B14F-4D97-AF65-F5344CB8AC3E}">
-        <p14:creationId xmlns:p14="http://schemas.microsoft.com/office/powerpoint/2010/main" val="286383755"/>
+        <p14:creationId xmlns:p14="http://schemas.microsoft.com/office/powerpoint/2010/main" val="2485909455"/>
       </p:ext>
     </p:extLst>
   </p:cSld>
@@ -900,6 +802,245 @@
           <a:lstStyle/>
           <a:p>
             <a:r>
+              <a:rPr lang="en-AU" b="1" dirty="0" smtClean="0"/>
+              <a:t>2.) Protein composition</a:t>
+            </a:r>
+            <a:r>
+              <a:rPr lang="en-AU" b="1" baseline="0" dirty="0" smtClean="0"/>
+              <a:t> of the average eucalypt leaf.</a:t>
+            </a:r>
+            <a:r>
+              <a:rPr lang="en-AU" b="1" dirty="0" smtClean="0"/>
+              <a:t> </a:t>
+            </a:r>
+            <a:endParaRPr lang="en-AU" dirty="0" smtClean="0"/>
+          </a:p>
+          <a:p>
+            <a:pPr marL="0" marR="0" lvl="0" indent="0" algn="l" defTabSz="1280160" rtl="0" eaLnBrk="1" fontAlgn="auto" latinLnBrk="0" hangingPunct="1">
+              <a:lnSpc>
+                <a:spcPct val="100000"/>
+              </a:lnSpc>
+              <a:spcBef>
+                <a:spcPts val="0"/>
+              </a:spcBef>
+              <a:spcAft>
+                <a:spcPts val="0"/>
+              </a:spcAft>
+              <a:buClrTx/>
+              <a:buSzTx/>
+              <a:buFontTx/>
+              <a:buNone/>
+              <a:tabLst/>
+              <a:defRPr/>
+            </a:pPr>
+            <a:endParaRPr lang="en-AU" dirty="0" smtClean="0"/>
+          </a:p>
+          <a:p>
+            <a:pPr marL="0" marR="0" lvl="0" indent="0" algn="l" defTabSz="1280160" rtl="0" eaLnBrk="1" fontAlgn="auto" latinLnBrk="0" hangingPunct="1">
+              <a:lnSpc>
+                <a:spcPct val="100000"/>
+              </a:lnSpc>
+              <a:spcBef>
+                <a:spcPts val="0"/>
+              </a:spcBef>
+              <a:spcAft>
+                <a:spcPts val="0"/>
+              </a:spcAft>
+              <a:buClrTx/>
+              <a:buSzTx/>
+              <a:buFontTx/>
+              <a:buNone/>
+              <a:tabLst/>
+              <a:defRPr/>
+            </a:pPr>
+            <a:r>
+              <a:rPr lang="en-AU" dirty="0" smtClean="0"/>
+              <a:t>a.) We </a:t>
+            </a:r>
+            <a:r>
+              <a:rPr lang="en-AU" dirty="0"/>
+              <a:t>used a hierarchical protein functional annotation system (MAPMAN/Mercator, ref) to assign proteins to functional groupings. Here we show the average abundances of proteins associated with </a:t>
+            </a:r>
+            <a:r>
+              <a:rPr lang="en-AU" dirty="0" smtClean="0"/>
+              <a:t>all major </a:t>
+            </a:r>
+            <a:r>
+              <a:rPr lang="en-AU" dirty="0"/>
+              <a:t>functional groupings in eucalypt </a:t>
+            </a:r>
+            <a:r>
+              <a:rPr lang="en-AU" dirty="0" smtClean="0"/>
+              <a:t>leaves (left) and within photosynthesis (right); </a:t>
+            </a:r>
+            <a:r>
+              <a:rPr lang="en-AU" dirty="0"/>
+              <a:t>angular fraction indicates the proportion of protein associated with a named functional category. </a:t>
+            </a:r>
+            <a:r>
+              <a:rPr lang="en-AU" dirty="0" smtClean="0"/>
+              <a:t>% values represent</a:t>
+            </a:r>
+            <a:r>
+              <a:rPr lang="en-AU" baseline="0" dirty="0" smtClean="0"/>
+              <a:t> averages of leaf 324 samples across 32 eucalypt species. </a:t>
+            </a:r>
+            <a:r>
+              <a:rPr lang="en-AU" dirty="0" smtClean="0"/>
+              <a:t>The </a:t>
+            </a:r>
+            <a:r>
+              <a:rPr lang="en-AU" dirty="0"/>
+              <a:t>hierarchical annotation scheme is represented by the layers of the plot: the innermost layer corresponds to the broadest categories in the scheme, e.g. ‘photosynthesis’. Moving outwards, protein amounts are annotated to progressively more specific functions, e.g. ‘light harvesting complex II’. The majority of protein in leaves is associated with </a:t>
+            </a:r>
+            <a:r>
+              <a:rPr lang="en-AU" dirty="0" smtClean="0"/>
+              <a:t>photosynthesis, of</a:t>
+            </a:r>
+            <a:r>
+              <a:rPr lang="en-AU" baseline="0" dirty="0" smtClean="0"/>
+              <a:t> which the Rubisco large and small subunits comprise on average 30 % and photosystem II, 18 % on average.</a:t>
+            </a:r>
+            <a:r>
+              <a:rPr lang="en-AU" dirty="0" smtClean="0"/>
+              <a:t> Protein </a:t>
+            </a:r>
+            <a:r>
+              <a:rPr lang="en-AU" dirty="0"/>
+              <a:t>synthesis, folding and degradation is the second largest top-level </a:t>
+            </a:r>
+            <a:r>
+              <a:rPr lang="en-AU" dirty="0" smtClean="0"/>
+              <a:t>category at X % on average. </a:t>
+            </a:r>
+            <a:endParaRPr lang="en-AU" dirty="0"/>
+          </a:p>
+          <a:p>
+            <a:endParaRPr lang="en-AU" dirty="0" smtClean="0"/>
+          </a:p>
+          <a:p>
+            <a:r>
+              <a:rPr lang="en-AU" dirty="0" smtClean="0"/>
+              <a:t>b.) </a:t>
+            </a:r>
+            <a:r>
+              <a:rPr lang="en-AU" dirty="0"/>
+              <a:t>The 500 most abundant proteins account for 90 % of the protein in leaves (500</a:t>
+            </a:r>
+            <a:r>
+              <a:rPr lang="en-AU" baseline="30000" dirty="0"/>
+              <a:t>th</a:t>
+            </a:r>
+            <a:r>
+              <a:rPr lang="en-AU" dirty="0"/>
+              <a:t> protein shown by grey crosshairs). </a:t>
+            </a:r>
+            <a:r>
+              <a:rPr lang="en-AU" u="none" strike="noStrike" dirty="0"/>
+              <a:t>The </a:t>
+            </a:r>
+            <a:r>
+              <a:rPr lang="en-AU" u="none" strike="noStrike" dirty="0" smtClean="0"/>
+              <a:t>steep initial </a:t>
+            </a:r>
+            <a:r>
+              <a:rPr lang="en-AU" u="none" strike="noStrike" dirty="0"/>
+              <a:t>slope of this curve contrasts with those associated with less specialised cells (e.g. mammalian cell, yeast</a:t>
+            </a:r>
+            <a:r>
+              <a:rPr lang="en-AU" u="none" strike="noStrike" dirty="0" smtClean="0"/>
+              <a:t>).</a:t>
+            </a:r>
+            <a:endParaRPr lang="en-AU" u="none" strike="noStrike" dirty="0"/>
+          </a:p>
+        </p:txBody>
+      </p:sp>
+      <p:sp>
+        <p:nvSpPr>
+          <p:cNvPr id="4" name="Slide Number Placeholder 3"/>
+          <p:cNvSpPr>
+            <a:spLocks noGrp="1"/>
+          </p:cNvSpPr>
+          <p:nvPr>
+            <p:ph type="sldNum" sz="quarter" idx="10"/>
+          </p:nvPr>
+        </p:nvSpPr>
+        <p:spPr/>
+        <p:txBody>
+          <a:bodyPr/>
+          <a:lstStyle/>
+          <a:p>
+            <a:fld id="{C73DF9B0-E08B-4862-93DE-9A4C9A8C6C80}" type="slidenum">
+              <a:rPr lang="en-AU" smtClean="0"/>
+              <a:t>3</a:t>
+            </a:fld>
+            <a:endParaRPr lang="en-AU"/>
+          </a:p>
+        </p:txBody>
+      </p:sp>
+    </p:spTree>
+    <p:extLst>
+      <p:ext uri="{BB962C8B-B14F-4D97-AF65-F5344CB8AC3E}">
+        <p14:creationId xmlns:p14="http://schemas.microsoft.com/office/powerpoint/2010/main" val="286383755"/>
+      </p:ext>
+    </p:extLst>
+  </p:cSld>
+  <p:clrMapOvr>
+    <a:masterClrMapping/>
+  </p:clrMapOvr>
+</p:notes>
+</file>
+
+<file path=ppt/notesSlides/notesSlide4.xml><?xml version="1.0" encoding="utf-8"?>
+<p:notes xmlns:a="http://schemas.openxmlformats.org/drawingml/2006/main" xmlns:r="http://schemas.openxmlformats.org/officeDocument/2006/relationships" xmlns:p="http://schemas.openxmlformats.org/presentationml/2006/main">
+  <p:cSld>
+    <p:spTree>
+      <p:nvGrpSpPr>
+        <p:cNvPr id="1" name=""/>
+        <p:cNvGrpSpPr/>
+        <p:nvPr/>
+      </p:nvGrpSpPr>
+      <p:grpSpPr>
+        <a:xfrm>
+          <a:off x="0" y="0"/>
+          <a:ext cx="0" cy="0"/>
+          <a:chOff x="0" y="0"/>
+          <a:chExt cx="0" cy="0"/>
+        </a:xfrm>
+      </p:grpSpPr>
+      <p:sp>
+        <p:nvSpPr>
+          <p:cNvPr id="2" name="Slide Image Placeholder 1"/>
+          <p:cNvSpPr>
+            <a:spLocks noGrp="1" noRot="1" noChangeAspect="1"/>
+          </p:cNvSpPr>
+          <p:nvPr>
+            <p:ph type="sldImg"/>
+          </p:nvPr>
+        </p:nvSpPr>
+        <p:spPr>
+          <a:xfrm>
+            <a:off x="2271713" y="1143000"/>
+            <a:ext cx="2314575" cy="3086100"/>
+          </a:xfrm>
+        </p:spPr>
+      </p:sp>
+      <p:sp>
+        <p:nvSpPr>
+          <p:cNvPr id="3" name="Notes Placeholder 2"/>
+          <p:cNvSpPr>
+            <a:spLocks noGrp="1"/>
+          </p:cNvSpPr>
+          <p:nvPr>
+            <p:ph type="body" idx="1"/>
+          </p:nvPr>
+        </p:nvSpPr>
+        <p:spPr/>
+        <p:txBody>
+          <a:bodyPr/>
+          <a:lstStyle/>
+          <a:p>
+            <a:r>
               <a:rPr lang="en-AU" sz="1680" b="1" kern="1200" dirty="0" smtClean="0">
                 <a:solidFill>
                   <a:schemeClr val="tx1"/>
@@ -1603,7 +1744,7 @@
           <a:p>
             <a:fld id="{C73DF9B0-E08B-4862-93DE-9A4C9A8C6C80}" type="slidenum">
               <a:rPr lang="en-AU" smtClean="0"/>
-              <a:t>3</a:t>
+              <a:t>4</a:t>
             </a:fld>
             <a:endParaRPr lang="en-AU"/>
           </a:p>
@@ -1753,7 +1894,7 @@
           <a:p>
             <a:fld id="{DBF67EF4-3E3F-41D9-AB59-178FFA85FB21}" type="datetimeFigureOut">
               <a:rPr lang="en-AU" smtClean="0"/>
-              <a:t>22/06/2017</a:t>
+              <a:t>27/06/2017</a:t>
             </a:fld>
             <a:endParaRPr lang="en-AU"/>
           </a:p>
@@ -1923,7 +2064,7 @@
           <a:p>
             <a:fld id="{DBF67EF4-3E3F-41D9-AB59-178FFA85FB21}" type="datetimeFigureOut">
               <a:rPr lang="en-AU" smtClean="0"/>
-              <a:t>22/06/2017</a:t>
+              <a:t>27/06/2017</a:t>
             </a:fld>
             <a:endParaRPr lang="en-AU"/>
           </a:p>
@@ -2103,7 +2244,7 @@
           <a:p>
             <a:fld id="{DBF67EF4-3E3F-41D9-AB59-178FFA85FB21}" type="datetimeFigureOut">
               <a:rPr lang="en-AU" smtClean="0"/>
-              <a:t>22/06/2017</a:t>
+              <a:t>27/06/2017</a:t>
             </a:fld>
             <a:endParaRPr lang="en-AU"/>
           </a:p>
@@ -2273,7 +2414,7 @@
           <a:p>
             <a:fld id="{DBF67EF4-3E3F-41D9-AB59-178FFA85FB21}" type="datetimeFigureOut">
               <a:rPr lang="en-AU" smtClean="0"/>
-              <a:t>22/06/2017</a:t>
+              <a:t>27/06/2017</a:t>
             </a:fld>
             <a:endParaRPr lang="en-AU"/>
           </a:p>
@@ -2517,7 +2658,7 @@
           <a:p>
             <a:fld id="{DBF67EF4-3E3F-41D9-AB59-178FFA85FB21}" type="datetimeFigureOut">
               <a:rPr lang="en-AU" smtClean="0"/>
-              <a:t>22/06/2017</a:t>
+              <a:t>27/06/2017</a:t>
             </a:fld>
             <a:endParaRPr lang="en-AU"/>
           </a:p>
@@ -2749,7 +2890,7 @@
           <a:p>
             <a:fld id="{DBF67EF4-3E3F-41D9-AB59-178FFA85FB21}" type="datetimeFigureOut">
               <a:rPr lang="en-AU" smtClean="0"/>
-              <a:t>22/06/2017</a:t>
+              <a:t>27/06/2017</a:t>
             </a:fld>
             <a:endParaRPr lang="en-AU"/>
           </a:p>
@@ -3116,7 +3257,7 @@
           <a:p>
             <a:fld id="{DBF67EF4-3E3F-41D9-AB59-178FFA85FB21}" type="datetimeFigureOut">
               <a:rPr lang="en-AU" smtClean="0"/>
-              <a:t>22/06/2017</a:t>
+              <a:t>27/06/2017</a:t>
             </a:fld>
             <a:endParaRPr lang="en-AU"/>
           </a:p>
@@ -3234,7 +3375,7 @@
           <a:p>
             <a:fld id="{DBF67EF4-3E3F-41D9-AB59-178FFA85FB21}" type="datetimeFigureOut">
               <a:rPr lang="en-AU" smtClean="0"/>
-              <a:t>22/06/2017</a:t>
+              <a:t>27/06/2017</a:t>
             </a:fld>
             <a:endParaRPr lang="en-AU"/>
           </a:p>
@@ -3329,7 +3470,7 @@
           <a:p>
             <a:fld id="{DBF67EF4-3E3F-41D9-AB59-178FFA85FB21}" type="datetimeFigureOut">
               <a:rPr lang="en-AU" smtClean="0"/>
-              <a:t>22/06/2017</a:t>
+              <a:t>27/06/2017</a:t>
             </a:fld>
             <a:endParaRPr lang="en-AU"/>
           </a:p>
@@ -3606,7 +3747,7 @@
           <a:p>
             <a:fld id="{DBF67EF4-3E3F-41D9-AB59-178FFA85FB21}" type="datetimeFigureOut">
               <a:rPr lang="en-AU" smtClean="0"/>
-              <a:t>22/06/2017</a:t>
+              <a:t>27/06/2017</a:t>
             </a:fld>
             <a:endParaRPr lang="en-AU"/>
           </a:p>
@@ -3863,7 +4004,7 @@
           <a:p>
             <a:fld id="{DBF67EF4-3E3F-41D9-AB59-178FFA85FB21}" type="datetimeFigureOut">
               <a:rPr lang="en-AU" smtClean="0"/>
-              <a:t>22/06/2017</a:t>
+              <a:t>27/06/2017</a:t>
             </a:fld>
             <a:endParaRPr lang="en-AU"/>
           </a:p>
@@ -4076,7 +4217,7 @@
           <a:p>
             <a:fld id="{DBF67EF4-3E3F-41D9-AB59-178FFA85FB21}" type="datetimeFigureOut">
               <a:rPr lang="en-AU" smtClean="0"/>
-              <a:t>22/06/2017</a:t>
+              <a:t>27/06/2017</a:t>
             </a:fld>
             <a:endParaRPr lang="en-AU"/>
           </a:p>
@@ -4486,7 +4627,7 @@
           <p:cNvPr id="20" name="TextBox 19">
             <a:extLst>
               <a:ext uri="{FF2B5EF4-FFF2-40B4-BE49-F238E27FC236}">
-                <a16:creationId xmlns="" xmlns:a16="http://schemas.microsoft.com/office/drawing/2014/main" id="{036694F8-822A-4EA9-A83F-BB11CF14A3AC}"/>
+                <a16:creationId xmlns:a16="http://schemas.microsoft.com/office/drawing/2014/main" xmlns="" id="{036694F8-822A-4EA9-A83F-BB11CF14A3AC}"/>
               </a:ext>
             </a:extLst>
           </p:cNvPr>
@@ -4575,7 +4716,7 @@
           <p:cNvPr id="37" name="Group 36">
             <a:extLst>
               <a:ext uri="{FF2B5EF4-FFF2-40B4-BE49-F238E27FC236}">
-                <a16:creationId xmlns="" xmlns:a16="http://schemas.microsoft.com/office/drawing/2014/main" id="{334CF8EC-60BE-4F39-9DAB-83E63FCF813B}"/>
+                <a16:creationId xmlns:a16="http://schemas.microsoft.com/office/drawing/2014/main" xmlns="" id="{334CF8EC-60BE-4F39-9DAB-83E63FCF813B}"/>
               </a:ext>
             </a:extLst>
           </p:cNvPr>
@@ -4595,7 +4736,7 @@
             <p:cNvPr id="38" name="Picture 37">
               <a:extLst>
                 <a:ext uri="{FF2B5EF4-FFF2-40B4-BE49-F238E27FC236}">
-                  <a16:creationId xmlns="" xmlns:a16="http://schemas.microsoft.com/office/drawing/2014/main" id="{4DEA67FD-D5A0-4C43-AE8C-3FD531A15958}"/>
+                  <a16:creationId xmlns:a16="http://schemas.microsoft.com/office/drawing/2014/main" xmlns="" id="{4DEA67FD-D5A0-4C43-AE8C-3FD531A15958}"/>
                 </a:ext>
               </a:extLst>
             </p:cNvPr>
@@ -4625,7 +4766,7 @@
             <p:cNvPr id="39" name="TextBox 38">
               <a:extLst>
                 <a:ext uri="{FF2B5EF4-FFF2-40B4-BE49-F238E27FC236}">
-                  <a16:creationId xmlns="" xmlns:a16="http://schemas.microsoft.com/office/drawing/2014/main" id="{8C4EAC27-4656-410C-A78C-43C390974B69}"/>
+                  <a16:creationId xmlns:a16="http://schemas.microsoft.com/office/drawing/2014/main" xmlns="" id="{8C4EAC27-4656-410C-A78C-43C390974B69}"/>
                 </a:ext>
               </a:extLst>
             </p:cNvPr>
@@ -4677,6 +4818,403 @@
 </file>
 
 <file path=ppt/slides/slide2.xml><?xml version="1.0" encoding="utf-8"?>
+<p:sld xmlns:a="http://schemas.openxmlformats.org/drawingml/2006/main" xmlns:r="http://schemas.openxmlformats.org/officeDocument/2006/relationships" xmlns:p="http://schemas.openxmlformats.org/presentationml/2006/main">
+  <p:cSld>
+    <p:spTree>
+      <p:nvGrpSpPr>
+        <p:cNvPr id="1" name=""/>
+        <p:cNvGrpSpPr/>
+        <p:nvPr/>
+      </p:nvGrpSpPr>
+      <p:grpSpPr>
+        <a:xfrm>
+          <a:off x="0" y="0"/>
+          <a:ext cx="0" cy="0"/>
+          <a:chOff x="0" y="0"/>
+          <a:chExt cx="0" cy="0"/>
+        </a:xfrm>
+      </p:grpSpPr>
+      <p:sp>
+        <p:nvSpPr>
+          <p:cNvPr id="20" name="TextBox 19">
+            <a:extLst>
+              <a:ext uri="{FF2B5EF4-FFF2-40B4-BE49-F238E27FC236}">
+                <a16:creationId xmlns:a16="http://schemas.microsoft.com/office/drawing/2014/main" xmlns="" id="{036694F8-822A-4EA9-A83F-BB11CF14A3AC}"/>
+              </a:ext>
+            </a:extLst>
+          </p:cNvPr>
+          <p:cNvSpPr txBox="1"/>
+          <p:nvPr/>
+        </p:nvSpPr>
+        <p:spPr>
+          <a:xfrm>
+            <a:off x="2492677" y="509354"/>
+            <a:ext cx="205508" cy="276999"/>
+          </a:xfrm>
+          <a:prstGeom prst="rect">
+            <a:avLst/>
+          </a:prstGeom>
+          <a:noFill/>
+        </p:spPr>
+        <p:txBody>
+          <a:bodyPr wrap="square" rtlCol="0">
+            <a:spAutoFit/>
+          </a:bodyPr>
+          <a:lstStyle/>
+          <a:p>
+            <a:r>
+              <a:rPr lang="en-AU" sz="1200" dirty="0"/>
+              <a:t>a</a:t>
+            </a:r>
+          </a:p>
+        </p:txBody>
+      </p:sp>
+      <p:pic>
+        <p:nvPicPr>
+          <p:cNvPr id="35" name="Picture 34"/>
+          <p:cNvPicPr>
+            <a:picLocks noChangeAspect="1"/>
+          </p:cNvPicPr>
+          <p:nvPr/>
+        </p:nvPicPr>
+        <p:blipFill>
+          <a:blip r:embed="rId3" cstate="print">
+            <a:extLst>
+              <a:ext uri="{28A0092B-C50C-407E-A947-70E740481C1C}">
+                <a14:useLocalDpi xmlns:a14="http://schemas.microsoft.com/office/drawing/2010/main" val="0"/>
+              </a:ext>
+            </a:extLst>
+          </a:blip>
+          <a:stretch>
+            <a:fillRect/>
+          </a:stretch>
+        </p:blipFill>
+        <p:spPr>
+          <a:xfrm>
+            <a:off x="105889" y="443234"/>
+            <a:ext cx="2554271" cy="3595764"/>
+          </a:xfrm>
+          <a:prstGeom prst="rect">
+            <a:avLst/>
+          </a:prstGeom>
+        </p:spPr>
+      </p:pic>
+      <p:pic>
+        <p:nvPicPr>
+          <p:cNvPr id="36" name="Picture 35"/>
+          <p:cNvPicPr>
+            <a:picLocks noChangeAspect="1"/>
+          </p:cNvPicPr>
+          <p:nvPr/>
+        </p:nvPicPr>
+        <p:blipFill>
+          <a:blip r:embed="rId4"/>
+          <a:stretch>
+            <a:fillRect/>
+          </a:stretch>
+        </p:blipFill>
+        <p:spPr>
+          <a:xfrm>
+            <a:off x="161890" y="4838244"/>
+            <a:ext cx="2132167" cy="1625871"/>
+          </a:xfrm>
+          <a:prstGeom prst="rect">
+            <a:avLst/>
+          </a:prstGeom>
+        </p:spPr>
+      </p:pic>
+      <p:grpSp>
+        <p:nvGrpSpPr>
+          <p:cNvPr id="8" name="Group 7"/>
+          <p:cNvGrpSpPr/>
+          <p:nvPr/>
+        </p:nvGrpSpPr>
+        <p:grpSpPr>
+          <a:xfrm>
+            <a:off x="2736210" y="786353"/>
+            <a:ext cx="3228635" cy="3048538"/>
+            <a:chOff x="671824" y="1653267"/>
+            <a:chExt cx="6668639" cy="6199336"/>
+          </a:xfrm>
+        </p:grpSpPr>
+        <p:pic>
+          <p:nvPicPr>
+            <p:cNvPr id="9" name="Picture 8"/>
+            <p:cNvPicPr>
+              <a:picLocks noChangeAspect="1"/>
+            </p:cNvPicPr>
+            <p:nvPr/>
+          </p:nvPicPr>
+          <p:blipFill>
+            <a:blip r:embed="rId5" cstate="print">
+              <a:extLst>
+                <a:ext uri="{28A0092B-C50C-407E-A947-70E740481C1C}">
+                  <a14:useLocalDpi xmlns:a14="http://schemas.microsoft.com/office/drawing/2010/main" val="0"/>
+                </a:ext>
+              </a:extLst>
+            </a:blip>
+            <a:stretch>
+              <a:fillRect/>
+            </a:stretch>
+          </p:blipFill>
+          <p:spPr>
+            <a:xfrm>
+              <a:off x="671824" y="1653267"/>
+              <a:ext cx="6668639" cy="6199336"/>
+            </a:xfrm>
+            <a:prstGeom prst="rect">
+              <a:avLst/>
+            </a:prstGeom>
+          </p:spPr>
+        </p:pic>
+        <p:sp>
+          <p:nvSpPr>
+            <p:cNvPr id="10" name="TextBox 9"/>
+            <p:cNvSpPr txBox="1"/>
+            <p:nvPr/>
+          </p:nvSpPr>
+          <p:spPr>
+            <a:xfrm>
+              <a:off x="2713632" y="3962399"/>
+              <a:ext cx="482597" cy="277169"/>
+            </a:xfrm>
+            <a:prstGeom prst="rect">
+              <a:avLst/>
+            </a:prstGeom>
+            <a:noFill/>
+          </p:spPr>
+          <p:txBody>
+            <a:bodyPr wrap="square" rtlCol="0">
+              <a:spAutoFit/>
+            </a:bodyPr>
+            <a:lstStyle/>
+            <a:p>
+              <a:r>
+                <a:rPr lang="en-AU" sz="751" dirty="0"/>
+                <a:t>64%</a:t>
+              </a:r>
+            </a:p>
+          </p:txBody>
+        </p:sp>
+        <p:sp>
+          <p:nvSpPr>
+            <p:cNvPr id="11" name="TextBox 10"/>
+            <p:cNvSpPr txBox="1"/>
+            <p:nvPr/>
+          </p:nvSpPr>
+          <p:spPr>
+            <a:xfrm>
+              <a:off x="2459940" y="3795264"/>
+              <a:ext cx="1405571" cy="657693"/>
+            </a:xfrm>
+            <a:prstGeom prst="rect">
+              <a:avLst/>
+            </a:prstGeom>
+            <a:noFill/>
+          </p:spPr>
+          <p:txBody>
+            <a:bodyPr wrap="square" rtlCol="0">
+              <a:spAutoFit/>
+            </a:bodyPr>
+            <a:lstStyle/>
+            <a:p>
+              <a:r>
+                <a:rPr lang="en-AU" sz="751" dirty="0"/>
+                <a:t>Photosynthesis</a:t>
+              </a:r>
+            </a:p>
+          </p:txBody>
+        </p:sp>
+      </p:grpSp>
+      <p:pic>
+        <p:nvPicPr>
+          <p:cNvPr id="12" name="Picture 11"/>
+          <p:cNvPicPr>
+            <a:picLocks noChangeAspect="1"/>
+          </p:cNvPicPr>
+          <p:nvPr/>
+        </p:nvPicPr>
+        <p:blipFill>
+          <a:blip r:embed="rId6" cstate="print">
+            <a:extLst>
+              <a:ext uri="{28A0092B-C50C-407E-A947-70E740481C1C}">
+                <a14:useLocalDpi xmlns:a14="http://schemas.microsoft.com/office/drawing/2010/main" val="0"/>
+              </a:ext>
+            </a:extLst>
+          </a:blip>
+          <a:stretch>
+            <a:fillRect/>
+          </a:stretch>
+        </p:blipFill>
+        <p:spPr>
+          <a:xfrm>
+            <a:off x="5964845" y="450120"/>
+            <a:ext cx="3538655" cy="3588878"/>
+          </a:xfrm>
+          <a:prstGeom prst="rect">
+            <a:avLst/>
+          </a:prstGeom>
+        </p:spPr>
+      </p:pic>
+      <p:grpSp>
+        <p:nvGrpSpPr>
+          <p:cNvPr id="13" name="Group 12">
+            <a:extLst>
+              <a:ext uri="{FF2B5EF4-FFF2-40B4-BE49-F238E27FC236}">
+                <a16:creationId xmlns:a16="http://schemas.microsoft.com/office/drawing/2014/main" xmlns="" id="{C9FFF9FF-C604-459E-BA51-CAAD744824C9}"/>
+              </a:ext>
+            </a:extLst>
+          </p:cNvPr>
+          <p:cNvGrpSpPr/>
+          <p:nvPr/>
+        </p:nvGrpSpPr>
+        <p:grpSpPr>
+          <a:xfrm>
+            <a:off x="2454390" y="4601000"/>
+            <a:ext cx="2540729" cy="1863115"/>
+            <a:chOff x="-3343354" y="1339480"/>
+            <a:chExt cx="4852762" cy="3296988"/>
+          </a:xfrm>
+        </p:grpSpPr>
+        <p:pic>
+          <p:nvPicPr>
+            <p:cNvPr id="14" name="Picture 13" descr="abundance_rank_90pc.png">
+              <a:extLst>
+                <a:ext uri="{FF2B5EF4-FFF2-40B4-BE49-F238E27FC236}">
+                  <a16:creationId xmlns:a16="http://schemas.microsoft.com/office/drawing/2014/main" xmlns="" id="{34BBFF6D-3CCF-4CB2-B743-963595FCD805}"/>
+                </a:ext>
+              </a:extLst>
+            </p:cNvPr>
+            <p:cNvPicPr>
+              <a:picLocks noChangeAspect="1"/>
+            </p:cNvPicPr>
+            <p:nvPr/>
+          </p:nvPicPr>
+          <p:blipFill>
+            <a:blip r:embed="rId7" cstate="print">
+              <a:extLst>
+                <a:ext uri="{28A0092B-C50C-407E-A947-70E740481C1C}">
+                  <a14:useLocalDpi xmlns:a14="http://schemas.microsoft.com/office/drawing/2010/main" val="0"/>
+                </a:ext>
+              </a:extLst>
+            </a:blip>
+            <a:stretch>
+              <a:fillRect/>
+            </a:stretch>
+          </p:blipFill>
+          <p:spPr>
+            <a:xfrm>
+              <a:off x="-3233402" y="1339480"/>
+              <a:ext cx="4438936" cy="2855383"/>
+            </a:xfrm>
+            <a:prstGeom prst="rect">
+              <a:avLst/>
+            </a:prstGeom>
+          </p:spPr>
+        </p:pic>
+        <p:sp>
+          <p:nvSpPr>
+            <p:cNvPr id="15" name="TextBox 14">
+              <a:extLst>
+                <a:ext uri="{FF2B5EF4-FFF2-40B4-BE49-F238E27FC236}">
+                  <a16:creationId xmlns:a16="http://schemas.microsoft.com/office/drawing/2014/main" xmlns="" id="{589E7152-499C-44E8-BA29-4777970B8AAA}"/>
+                </a:ext>
+              </a:extLst>
+            </p:cNvPr>
+            <p:cNvSpPr txBox="1"/>
+            <p:nvPr/>
+          </p:nvSpPr>
+          <p:spPr>
+            <a:xfrm>
+              <a:off x="-3343354" y="4253015"/>
+              <a:ext cx="4852762" cy="383453"/>
+            </a:xfrm>
+            <a:prstGeom prst="rect">
+              <a:avLst/>
+            </a:prstGeom>
+            <a:noFill/>
+          </p:spPr>
+          <p:txBody>
+            <a:bodyPr wrap="square" rtlCol="0">
+              <a:spAutoFit/>
+            </a:bodyPr>
+            <a:lstStyle/>
+            <a:p>
+              <a:r>
+                <a:rPr lang="en-US" sz="788" dirty="0"/>
+                <a:t>&lt;500 proteins account for &gt;90% total leaf protein</a:t>
+              </a:r>
+            </a:p>
+          </p:txBody>
+        </p:sp>
+      </p:grpSp>
+      <p:sp>
+        <p:nvSpPr>
+          <p:cNvPr id="16" name="Rectangle 15"/>
+          <p:cNvSpPr/>
+          <p:nvPr/>
+        </p:nvSpPr>
+        <p:spPr>
+          <a:xfrm>
+            <a:off x="4907223" y="4052133"/>
+            <a:ext cx="4527547" cy="2433809"/>
+          </a:xfrm>
+          <a:prstGeom prst="rect">
+            <a:avLst/>
+          </a:prstGeom>
+          <a:solidFill>
+            <a:schemeClr val="accent1">
+              <a:lumMod val="20000"/>
+              <a:lumOff val="80000"/>
+            </a:schemeClr>
+          </a:solidFill>
+        </p:spPr>
+        <p:style>
+          <a:lnRef idx="2">
+            <a:schemeClr val="accent1">
+              <a:shade val="50000"/>
+            </a:schemeClr>
+          </a:lnRef>
+          <a:fillRef idx="1">
+            <a:schemeClr val="accent1"/>
+          </a:fillRef>
+          <a:effectRef idx="0">
+            <a:schemeClr val="accent1"/>
+          </a:effectRef>
+          <a:fontRef idx="minor">
+            <a:schemeClr val="lt1"/>
+          </a:fontRef>
+        </p:style>
+        <p:txBody>
+          <a:bodyPr rtlCol="0" anchor="ctr"/>
+          <a:lstStyle/>
+          <a:p>
+            <a:pPr algn="ctr"/>
+            <a:endParaRPr lang="en-AU"/>
+          </a:p>
+        </p:txBody>
+      </p:sp>
+    </p:spTree>
+    <p:extLst>
+      <p:ext uri="{BB962C8B-B14F-4D97-AF65-F5344CB8AC3E}">
+        <p14:creationId xmlns:p14="http://schemas.microsoft.com/office/powerpoint/2010/main" val="143190128"/>
+      </p:ext>
+    </p:extLst>
+  </p:cSld>
+  <p:clrMapOvr>
+    <a:masterClrMapping/>
+  </p:clrMapOvr>
+  <p:timing>
+    <p:tnLst>
+      <p:par>
+        <p:cTn id="1" dur="indefinite" restart="never" nodeType="tmRoot"/>
+      </p:par>
+    </p:tnLst>
+  </p:timing>
+</p:sld>
+</file>
+
+<file path=ppt/slides/slide3.xml><?xml version="1.0" encoding="utf-8"?>
 <p:sld xmlns:a="http://schemas.openxmlformats.org/drawingml/2006/main" xmlns:r="http://schemas.openxmlformats.org/officeDocument/2006/relationships" xmlns:p="http://schemas.openxmlformats.org/presentationml/2006/main">
   <p:cSld>
     <p:spTree>
@@ -4831,7 +5369,7 @@
           <p:cNvPr id="37" name="Group 36">
             <a:extLst>
               <a:ext uri="{FF2B5EF4-FFF2-40B4-BE49-F238E27FC236}">
-                <a16:creationId xmlns="" xmlns:a16="http://schemas.microsoft.com/office/drawing/2014/main" id="{C9FFF9FF-C604-459E-BA51-CAAD744824C9}"/>
+                <a16:creationId xmlns:a16="http://schemas.microsoft.com/office/drawing/2014/main" xmlns="" id="{C9FFF9FF-C604-459E-BA51-CAAD744824C9}"/>
               </a:ext>
             </a:extLst>
           </p:cNvPr>
@@ -4851,7 +5389,7 @@
             <p:cNvPr id="39" name="Picture 38" descr="abundance_rank_90pc.png">
               <a:extLst>
                 <a:ext uri="{FF2B5EF4-FFF2-40B4-BE49-F238E27FC236}">
-                  <a16:creationId xmlns="" xmlns:a16="http://schemas.microsoft.com/office/drawing/2014/main" id="{34BBFF6D-3CCF-4CB2-B743-963595FCD805}"/>
+                  <a16:creationId xmlns:a16="http://schemas.microsoft.com/office/drawing/2014/main" xmlns="" id="{34BBFF6D-3CCF-4CB2-B743-963595FCD805}"/>
                 </a:ext>
               </a:extLst>
             </p:cNvPr>
@@ -4887,7 +5425,7 @@
             <p:cNvPr id="40" name="TextBox 39">
               <a:extLst>
                 <a:ext uri="{FF2B5EF4-FFF2-40B4-BE49-F238E27FC236}">
-                  <a16:creationId xmlns="" xmlns:a16="http://schemas.microsoft.com/office/drawing/2014/main" id="{589E7152-499C-44E8-BA29-4777970B8AAA}"/>
+                  <a16:creationId xmlns:a16="http://schemas.microsoft.com/office/drawing/2014/main" xmlns="" id="{589E7152-499C-44E8-BA29-4777970B8AAA}"/>
                 </a:ext>
               </a:extLst>
             </p:cNvPr>
@@ -5074,7 +5612,7 @@
 </p:sld>
 </file>
 
-<file path=ppt/slides/slide3.xml><?xml version="1.0" encoding="utf-8"?>
+<file path=ppt/slides/slide4.xml><?xml version="1.0" encoding="utf-8"?>
 <p:sld xmlns:a="http://schemas.openxmlformats.org/drawingml/2006/main" xmlns:r="http://schemas.openxmlformats.org/officeDocument/2006/relationships" xmlns:p="http://schemas.openxmlformats.org/presentationml/2006/main">
   <p:cSld>
     <p:spTree>
@@ -5140,7 +5678,7 @@
             <p:cNvPr id="20" name="TextBox 19">
               <a:extLst>
                 <a:ext uri="{FF2B5EF4-FFF2-40B4-BE49-F238E27FC236}">
-                  <a16:creationId xmlns="" xmlns:a16="http://schemas.microsoft.com/office/drawing/2014/main" id="{036694F8-822A-4EA9-A83F-BB11CF14A3AC}"/>
+                  <a16:creationId xmlns:a16="http://schemas.microsoft.com/office/drawing/2014/main" xmlns="" id="{036694F8-822A-4EA9-A83F-BB11CF14A3AC}"/>
                 </a:ext>
               </a:extLst>
             </p:cNvPr>
@@ -5238,7 +5776,7 @@
             <p:cNvPr id="21" name="Picture 20">
               <a:extLst>
                 <a:ext uri="{FF2B5EF4-FFF2-40B4-BE49-F238E27FC236}">
-                  <a16:creationId xmlns="" xmlns:a16="http://schemas.microsoft.com/office/drawing/2014/main" id="{13F0A1E6-029C-42BD-8050-7DCD7C7A3AC6}"/>
+                  <a16:creationId xmlns:a16="http://schemas.microsoft.com/office/drawing/2014/main" xmlns="" id="{13F0A1E6-029C-42BD-8050-7DCD7C7A3AC6}"/>
                 </a:ext>
               </a:extLst>
             </p:cNvPr>
@@ -5268,7 +5806,7 @@
             <p:cNvPr id="22" name="Picture 21">
               <a:extLst>
                 <a:ext uri="{FF2B5EF4-FFF2-40B4-BE49-F238E27FC236}">
-                  <a16:creationId xmlns="" xmlns:a16="http://schemas.microsoft.com/office/drawing/2014/main" id="{79F456E4-257F-43D2-90FC-8D7AD20652A6}"/>
+                  <a16:creationId xmlns:a16="http://schemas.microsoft.com/office/drawing/2014/main" xmlns="" id="{79F456E4-257F-43D2-90FC-8D7AD20652A6}"/>
                 </a:ext>
               </a:extLst>
             </p:cNvPr>
@@ -5298,7 +5836,7 @@
             <p:cNvPr id="25" name="TextBox 24">
               <a:extLst>
                 <a:ext uri="{FF2B5EF4-FFF2-40B4-BE49-F238E27FC236}">
-                  <a16:creationId xmlns="" xmlns:a16="http://schemas.microsoft.com/office/drawing/2014/main" id="{AD6123DE-61B3-46F1-A296-E628EA6BDA66}"/>
+                  <a16:creationId xmlns:a16="http://schemas.microsoft.com/office/drawing/2014/main" xmlns="" id="{AD6123DE-61B3-46F1-A296-E628EA6BDA66}"/>
                 </a:ext>
               </a:extLst>
             </p:cNvPr>
@@ -5334,7 +5872,7 @@
             <p:cNvPr id="26" name="TextBox 25">
               <a:extLst>
                 <a:ext uri="{FF2B5EF4-FFF2-40B4-BE49-F238E27FC236}">
-                  <a16:creationId xmlns="" xmlns:a16="http://schemas.microsoft.com/office/drawing/2014/main" id="{AD6123DE-61B3-46F1-A296-E628EA6BDA66}"/>
+                  <a16:creationId xmlns:a16="http://schemas.microsoft.com/office/drawing/2014/main" xmlns="" id="{AD6123DE-61B3-46F1-A296-E628EA6BDA66}"/>
                 </a:ext>
               </a:extLst>
             </p:cNvPr>
@@ -5370,7 +5908,7 @@
             <p:cNvPr id="27" name="TextBox 26">
               <a:extLst>
                 <a:ext uri="{FF2B5EF4-FFF2-40B4-BE49-F238E27FC236}">
-                  <a16:creationId xmlns="" xmlns:a16="http://schemas.microsoft.com/office/drawing/2014/main" id="{AD6123DE-61B3-46F1-A296-E628EA6BDA66}"/>
+                  <a16:creationId xmlns:a16="http://schemas.microsoft.com/office/drawing/2014/main" xmlns="" id="{AD6123DE-61B3-46F1-A296-E628EA6BDA66}"/>
                 </a:ext>
               </a:extLst>
             </p:cNvPr>
@@ -5406,7 +5944,7 @@
             <p:cNvPr id="28" name="TextBox 27">
               <a:extLst>
                 <a:ext uri="{FF2B5EF4-FFF2-40B4-BE49-F238E27FC236}">
-                  <a16:creationId xmlns="" xmlns:a16="http://schemas.microsoft.com/office/drawing/2014/main" id="{AD6123DE-61B3-46F1-A296-E628EA6BDA66}"/>
+                  <a16:creationId xmlns:a16="http://schemas.microsoft.com/office/drawing/2014/main" xmlns="" id="{AD6123DE-61B3-46F1-A296-E628EA6BDA66}"/>
                 </a:ext>
               </a:extLst>
             </p:cNvPr>
@@ -5442,7 +5980,7 @@
             <p:cNvPr id="40" name="TextBox 39">
               <a:extLst>
                 <a:ext uri="{FF2B5EF4-FFF2-40B4-BE49-F238E27FC236}">
-                  <a16:creationId xmlns="" xmlns:a16="http://schemas.microsoft.com/office/drawing/2014/main" id="{036694F8-822A-4EA9-A83F-BB11CF14A3AC}"/>
+                  <a16:creationId xmlns:a16="http://schemas.microsoft.com/office/drawing/2014/main" xmlns="" id="{036694F8-822A-4EA9-A83F-BB11CF14A3AC}"/>
                 </a:ext>
               </a:extLst>
             </p:cNvPr>
@@ -5479,7 +6017,7 @@
           <p:cNvPr id="29" name="TextBox 28">
             <a:extLst>
               <a:ext uri="{FF2B5EF4-FFF2-40B4-BE49-F238E27FC236}">
-                <a16:creationId xmlns="" xmlns:a16="http://schemas.microsoft.com/office/drawing/2014/main" id="{036694F8-822A-4EA9-A83F-BB11CF14A3AC}"/>
+                <a16:creationId xmlns:a16="http://schemas.microsoft.com/office/drawing/2014/main" xmlns="" id="{036694F8-822A-4EA9-A83F-BB11CF14A3AC}"/>
               </a:ext>
             </a:extLst>
           </p:cNvPr>
@@ -5889,7 +6427,7 @@
             <p:cNvPr id="39" name="TextBox 38">
               <a:extLst>
                 <a:ext uri="{FF2B5EF4-FFF2-40B4-BE49-F238E27FC236}">
-                  <a16:creationId xmlns="" xmlns:a16="http://schemas.microsoft.com/office/drawing/2014/main" id="{036694F8-822A-4EA9-A83F-BB11CF14A3AC}"/>
+                  <a16:creationId xmlns:a16="http://schemas.microsoft.com/office/drawing/2014/main" xmlns="" id="{036694F8-822A-4EA9-A83F-BB11CF14A3AC}"/>
                 </a:ext>
               </a:extLst>
             </p:cNvPr>
@@ -5916,7 +6454,6 @@
                 <a:rPr lang="en-AU" sz="1200" dirty="0"/>
                 <a:t>c</a:t>
               </a:r>
-              <a:endParaRPr lang="en-AU" sz="1200" dirty="0"/>
             </a:p>
           </p:txBody>
         </p:sp>
